--- a/Report/final/AI in PE group presentation.pptx
+++ b/Report/final/AI in PE group presentation.pptx
@@ -6,10 +6,10 @@
     <p:sldMasterId id="2147483648" r:id="rId2"/>
   </p:sldMasterIdLst>
   <p:notesMasterIdLst>
-    <p:notesMasterId r:id="rId15"/>
+    <p:notesMasterId r:id="rId16"/>
   </p:notesMasterIdLst>
   <p:handoutMasterIdLst>
-    <p:handoutMasterId r:id="rId16"/>
+    <p:handoutMasterId r:id="rId17"/>
   </p:handoutMasterIdLst>
   <p:sldIdLst>
     <p:sldId id="256" r:id="rId3"/>
@@ -24,11 +24,12 @@
     <p:sldId id="260" r:id="rId12"/>
     <p:sldId id="268" r:id="rId13"/>
     <p:sldId id="269" r:id="rId14"/>
+    <p:sldId id="271" r:id="rId15"/>
   </p:sldIdLst>
   <p:sldSz cx="12192000" cy="6858000"/>
   <p:notesSz cx="9925050" cy="6665913"/>
   <p:custDataLst>
-    <p:tags r:id="rId17"/>
+    <p:tags r:id="rId18"/>
   </p:custDataLst>
   <p:defaultTextStyle>
     <a:defPPr>
@@ -172,6 +173,7 @@
             <p14:sldId id="260"/>
             <p14:sldId id="268"/>
             <p14:sldId id="269"/>
+            <p14:sldId id="271"/>
           </p14:sldIdLst>
         </p14:section>
         <p14:section name="Backup" id="{919139A4-ADE2-4564-AE13-E4B8AE78359D}">
@@ -309,7 +311,7 @@
               <a:pPr>
                 <a:defRPr/>
               </a:pPr>
-              <a:t>04/07/2022</a:t>
+              <a:t>05/07/2022</a:t>
             </a:fld>
             <a:endParaRPr lang="en-GB" dirty="0"/>
           </a:p>
@@ -528,7 +530,7 @@
               <a:pPr>
                 <a:defRPr/>
               </a:pPr>
-              <a:t>04.07.2022</a:t>
+              <a:t>05.07.2022</a:t>
             </a:fld>
             <a:endParaRPr lang="de-DE" dirty="0"/>
           </a:p>
@@ -13233,6 +13235,181 @@
     <p:extLst>
       <p:ext uri="{BB962C8B-B14F-4D97-AF65-F5344CB8AC3E}">
         <p14:creationId xmlns:p14="http://schemas.microsoft.com/office/powerpoint/2010/main" val="4229017606"/>
+      </p:ext>
+    </p:extLst>
+  </p:cSld>
+  <p:clrMapOvr>
+    <a:masterClrMapping/>
+  </p:clrMapOvr>
+</p:sld>
+</file>
+
+<file path=ppt/slides/slide13.xml><?xml version="1.0" encoding="utf-8"?>
+<p:sld xmlns:a="http://schemas.openxmlformats.org/drawingml/2006/main" xmlns:r="http://schemas.openxmlformats.org/officeDocument/2006/relationships" xmlns:p="http://schemas.openxmlformats.org/presentationml/2006/main">
+  <p:cSld>
+    <p:spTree>
+      <p:nvGrpSpPr>
+        <p:cNvPr id="1" name=""/>
+        <p:cNvGrpSpPr/>
+        <p:nvPr/>
+      </p:nvGrpSpPr>
+      <p:grpSpPr>
+        <a:xfrm>
+          <a:off x="0" y="0"/>
+          <a:ext cx="0" cy="0"/>
+          <a:chOff x="0" y="0"/>
+          <a:chExt cx="0" cy="0"/>
+        </a:xfrm>
+      </p:grpSpPr>
+      <p:sp>
+        <p:nvSpPr>
+          <p:cNvPr id="2" name="Title 1">
+            <a:extLst>
+              <a:ext uri="{FF2B5EF4-FFF2-40B4-BE49-F238E27FC236}">
+                <a16:creationId xmlns:a16="http://schemas.microsoft.com/office/drawing/2014/main" id="{D1144364-5A51-2EF5-A92B-D0E154BE6D88}"/>
+              </a:ext>
+            </a:extLst>
+          </p:cNvPr>
+          <p:cNvSpPr>
+            <a:spLocks noGrp="1"/>
+          </p:cNvSpPr>
+          <p:nvPr>
+            <p:ph type="title"/>
+          </p:nvPr>
+        </p:nvSpPr>
+        <p:spPr/>
+        <p:txBody>
+          <a:bodyPr/>
+          <a:lstStyle/>
+          <a:p>
+            <a:endParaRPr lang="en-US"/>
+          </a:p>
+        </p:txBody>
+      </p:sp>
+      <p:sp>
+        <p:nvSpPr>
+          <p:cNvPr id="3" name="Text Placeholder 2">
+            <a:extLst>
+              <a:ext uri="{FF2B5EF4-FFF2-40B4-BE49-F238E27FC236}">
+                <a16:creationId xmlns:a16="http://schemas.microsoft.com/office/drawing/2014/main" id="{DEC42E39-FF2A-272A-CE8D-1EA6C40F1B5D}"/>
+              </a:ext>
+            </a:extLst>
+          </p:cNvPr>
+          <p:cNvSpPr>
+            <a:spLocks noGrp="1"/>
+          </p:cNvSpPr>
+          <p:nvPr>
+            <p:ph type="body" sz="quarter" idx="13"/>
+          </p:nvPr>
+        </p:nvSpPr>
+        <p:spPr>
+          <a:xfrm>
+            <a:off x="425455" y="1237736"/>
+            <a:ext cx="9023348" cy="3590295"/>
+          </a:xfrm>
+        </p:spPr>
+        <p:txBody>
+          <a:bodyPr/>
+          <a:lstStyle/>
+          <a:p>
+            <a:r>
+              <a:rPr lang="en-US" dirty="0"/>
+              <a:t>Jan – </a:t>
+            </a:r>
+            <a:r>
+              <a:rPr lang="en-US" dirty="0" err="1"/>
+              <a:t>Bericht</a:t>
+            </a:r>
+            <a:endParaRPr lang="en-US" dirty="0"/>
+          </a:p>
+          <a:p>
+            <a:r>
+              <a:rPr lang="en-US" dirty="0"/>
+              <a:t>Sebastian – NN, </a:t>
+            </a:r>
+            <a:r>
+              <a:rPr lang="en-US" dirty="0" err="1"/>
+              <a:t>Varianz</a:t>
+            </a:r>
+            <a:r>
+              <a:rPr lang="en-US" dirty="0"/>
+              <a:t>, no Hidden layer </a:t>
+            </a:r>
+          </a:p>
+          <a:p>
+            <a:r>
+              <a:rPr lang="en-US" dirty="0"/>
+              <a:t>Nikita – </a:t>
+            </a:r>
+            <a:r>
+              <a:rPr lang="en-US" dirty="0" err="1"/>
+              <a:t>Logisic</a:t>
+            </a:r>
+            <a:endParaRPr lang="en-US" dirty="0"/>
+          </a:p>
+          <a:p>
+            <a:r>
+              <a:rPr lang="en-US" dirty="0" err="1"/>
+              <a:t>Prezmyslav</a:t>
+            </a:r>
+            <a:r>
+              <a:rPr lang="en-US" dirty="0"/>
+              <a:t> – Statistical features </a:t>
+            </a:r>
+            <a:r>
+              <a:rPr lang="en-US"/>
+              <a:t>/ count </a:t>
+            </a:r>
+            <a:r>
+              <a:rPr lang="en-US" dirty="0"/>
+              <a:t>ones in OOT</a:t>
+            </a:r>
+          </a:p>
+        </p:txBody>
+      </p:sp>
+      <p:sp>
+        <p:nvSpPr>
+          <p:cNvPr id="4" name="Slide Number Placeholder 3">
+            <a:extLst>
+              <a:ext uri="{FF2B5EF4-FFF2-40B4-BE49-F238E27FC236}">
+                <a16:creationId xmlns:a16="http://schemas.microsoft.com/office/drawing/2014/main" id="{E5E6B1EE-5009-DBAE-F50E-417120EFAB56}"/>
+              </a:ext>
+            </a:extLst>
+          </p:cNvPr>
+          <p:cNvSpPr>
+            <a:spLocks noGrp="1"/>
+          </p:cNvSpPr>
+          <p:nvPr>
+            <p:ph type="sldNum" sz="quarter" idx="4"/>
+          </p:nvPr>
+        </p:nvSpPr>
+        <p:spPr/>
+        <p:txBody>
+          <a:bodyPr/>
+          <a:lstStyle/>
+          <a:p>
+            <a:pPr algn="r">
+              <a:lnSpc>
+                <a:spcPct val="110000"/>
+              </a:lnSpc>
+            </a:pPr>
+            <a:fld id="{0150336B-E114-481A-A5C5-087F4C05B58E}" type="slidenum">
+              <a:rPr lang="de-DE" smtClean="0"/>
+              <a:pPr algn="r">
+                <a:lnSpc>
+                  <a:spcPct val="110000"/>
+                </a:lnSpc>
+              </a:pPr>
+              <a:t>13</a:t>
+            </a:fld>
+            <a:endParaRPr lang="de-DE" dirty="0"/>
+          </a:p>
+        </p:txBody>
+      </p:sp>
+    </p:spTree>
+    <p:extLst>
+      <p:ext uri="{BB962C8B-B14F-4D97-AF65-F5344CB8AC3E}">
+        <p14:creationId xmlns:p14="http://schemas.microsoft.com/office/powerpoint/2010/main" val="1056450305"/>
       </p:ext>
     </p:extLst>
   </p:cSld>

--- a/Report/final/AI in PE group presentation.pptx
+++ b/Report/final/AI in PE group presentation.pptx
@@ -311,7 +311,7 @@
               <a:pPr>
                 <a:defRPr/>
               </a:pPr>
-              <a:t>05/07/2022</a:t>
+              <a:t>08/07/2022</a:t>
             </a:fld>
             <a:endParaRPr lang="en-GB" dirty="0"/>
           </a:p>
@@ -530,7 +530,7 @@
               <a:pPr>
                 <a:defRPr/>
               </a:pPr>
-              <a:t>05.07.2022</a:t>
+              <a:t>08.07.2022</a:t>
             </a:fld>
             <a:endParaRPr lang="de-DE" dirty="0"/>
           </a:p>
@@ -12492,14 +12492,47 @@
           <a:p>
             <a:r>
               <a:rPr lang="de-DE" dirty="0"/>
-              <a:t>Jan Nalivaika</a:t>
-            </a:r>
-          </a:p>
-          <a:p>
-            <a:r>
-              <a:rPr lang="de-DE" dirty="0"/>
+              <a:t>Nalivaika Jan</a:t>
+            </a:r>
+          </a:p>
+          <a:p>
+            <a:r>
+              <a:rPr lang="en-US" b="0" i="0" dirty="0" err="1">
+                <a:solidFill>
+                  <a:srgbClr val="323130"/>
+                </a:solidFill>
+                <a:effectLst/>
+                <a:latin typeface="Segoe UI" panose="020B0502040204020203" pitchFamily="34" charset="0"/>
+              </a:rPr>
+              <a:t>Paździerkiewicz</a:t>
+            </a:r>
+            <a:r>
+              <a:rPr lang="en-US" b="0" i="0" dirty="0">
+                <a:solidFill>
+                  <a:srgbClr val="323130"/>
+                </a:solidFill>
+                <a:effectLst/>
+                <a:latin typeface="Segoe UI" panose="020B0502040204020203" pitchFamily="34" charset="0"/>
+              </a:rPr>
+              <a:t>, </a:t>
+            </a:r>
+            <a:r>
+              <a:rPr lang="en-US" b="0" i="0" dirty="0" err="1">
+                <a:solidFill>
+                  <a:srgbClr val="323130"/>
+                </a:solidFill>
+                <a:effectLst/>
+                <a:latin typeface="Segoe UI" panose="020B0502040204020203" pitchFamily="34" charset="0"/>
+              </a:rPr>
               <a:t>Przemyslaw</a:t>
             </a:r>
+            <a:endParaRPr lang="en-US" b="0" i="0" dirty="0">
+              <a:solidFill>
+                <a:srgbClr val="323130"/>
+              </a:solidFill>
+              <a:effectLst/>
+              <a:latin typeface="Segoe UI" panose="020B0502040204020203" pitchFamily="34" charset="0"/>
+            </a:endParaRPr>
           </a:p>
           <a:p>
             <a:r>
